--- a/content/A-Intro/A-Intro.pptx
+++ b/content/A-Intro/A-Intro.pptx
@@ -14903,7 +14903,7 @@
           <a:p>
             <a:r>
               <a:rPr lang="en-US" dirty="0"/>
-              <a:t>IST769</a:t>
+              <a:t>IST769 </a:t>
             </a:r>
           </a:p>
         </p:txBody>
@@ -16274,15 +16274,28 @@
             </a:r>
           </a:p>
           <a:p>
-            <a:r>
-              <a:rPr lang="en-US" dirty="0"/>
-              <a:t>Quick IST659 Review</a:t>
-            </a:r>
-          </a:p>
-          <a:p>
             <a:pPr marL="0" indent="0">
               <a:buNone/>
             </a:pPr>
+            <a:endParaRPr lang="en-US" dirty="0"/>
+          </a:p>
+          <a:p>
+            <a:pPr marL="0" indent="0">
+              <a:buNone/>
+            </a:pPr>
+            <a:r>
+              <a:rPr lang="en-US"/>
+              <a:t>Unit A:</a:t>
+            </a:r>
+            <a:endParaRPr lang="en-US" dirty="0"/>
+          </a:p>
+          <a:p>
+            <a:r>
+              <a:rPr lang="en-US" dirty="0"/>
+              <a:t>Quick IST659 Review</a:t>
+            </a:r>
+          </a:p>
+          <a:p>
             <a:r>
               <a:rPr lang="en-US" dirty="0"/>
               <a:t>Course Setups</a:t>
